--- a/Java_PPT/#8_OOP_Concepts.pptx
+++ b/Java_PPT/#8_OOP_Concepts.pptx
@@ -7553,9 +7553,9 @@
           <p:nvPr/>
         </p:nvSpPr>
         <p:spPr bwMode="auto">
-          <a:xfrm>
-            <a:off x="1255712" y="1600200"/>
-            <a:ext cx="9677400" cy="3416320"/>
+          <a:xfrm flipH="0" flipV="0">
+            <a:off x="310656" y="1033029"/>
+            <a:ext cx="11573271" cy="5578200"/>
           </a:xfrm>
           <a:prstGeom prst="rect">
             <a:avLst/>
@@ -7571,77 +7571,366 @@
             <a:pPr>
               <a:defRPr/>
             </a:pPr>
-            <a:r>
-              <a:rPr lang="en-IN"/>
-              <a:t>The Object class is the parent class of all the classes in java by default. In other words, it is the topmost class of java.</a:t>
-            </a:r>
-            <a:endParaRPr/>
-          </a:p>
-          <a:p>
-            <a:pPr>
-              <a:defRPr/>
-            </a:pPr>
-            <a:endParaRPr lang="en-IN"/>
-          </a:p>
-          <a:p>
-            <a:pPr>
-              <a:defRPr/>
-            </a:pPr>
-            <a:r>
-              <a:rPr lang="en-IN"/>
-              <a:t>Object </a:t>
-            </a:r>
-            <a:r>
-              <a:rPr lang="en-IN"/>
-              <a:t>obj</a:t>
-            </a:r>
-            <a:r>
-              <a:rPr lang="en-IN"/>
-              <a:t>=</a:t>
-            </a:r>
-            <a:r>
-              <a:rPr lang="en-IN"/>
-              <a:t>getObject</a:t>
-            </a:r>
-            <a:r>
-              <a:rPr lang="en-IN"/>
-              <a:t>();</a:t>
-            </a:r>
-            <a:endParaRPr/>
-          </a:p>
-          <a:p>
-            <a:pPr>
-              <a:defRPr/>
-            </a:pPr>
-            <a:r>
-              <a:rPr lang="en-IN"/>
-              <a:t>//we don't know what object will be returned from this method  </a:t>
-            </a:r>
-            <a:endParaRPr/>
-          </a:p>
-          <a:p>
-            <a:pPr>
-              <a:defRPr/>
-            </a:pPr>
-            <a:endParaRPr lang="en-IN"/>
-          </a:p>
-          <a:p>
-            <a:pPr>
-              <a:defRPr/>
-            </a:pPr>
-            <a:r>
-              <a:rPr lang="en-IN"/>
-              <a:t>The Object class provides some common </a:t>
-            </a:r>
-            <a:r>
-              <a:rPr lang="en-IN"/>
-              <a:t>behaviors</a:t>
-            </a:r>
-            <a:r>
-              <a:rPr lang="en-IN"/>
-              <a:t> to all the objects such as object can be compared, object can be cloned, object can be notified etc.</a:t>
-            </a:r>
-            <a:endParaRPr/>
+            <a:endParaRPr/>
+          </a:p>
+          <a:p>
+            <a:pPr>
+              <a:defRPr/>
+            </a:pPr>
+            <a:r>
+              <a:rPr sz="2400" b="0" i="0" u="none" strike="noStrike" cap="none" spc="0">
+                <a:solidFill>
+                  <a:schemeClr val="tx1"/>
+                </a:solidFill>
+                <a:latin typeface="Constantia"/>
+                <a:ea typeface="Liberation Sans"/>
+                <a:cs typeface="Constantia"/>
+              </a:rPr>
+              <a:t>The </a:t>
+            </a:r>
+            <a:r>
+              <a:rPr sz="2400" b="1" i="0" u="none" strike="noStrike" cap="none" spc="0">
+                <a:solidFill>
+                  <a:srgbClr val="C00000"/>
+                </a:solidFill>
+                <a:latin typeface="Constantia"/>
+                <a:ea typeface="Liberation Sans"/>
+                <a:cs typeface="Constantia"/>
+              </a:rPr>
+              <a:t>Object</a:t>
+            </a:r>
+            <a:r>
+              <a:rPr sz="2400" b="1" i="0" u="none" strike="noStrike" cap="none" spc="0">
+                <a:solidFill>
+                  <a:srgbClr val="C00000"/>
+                </a:solidFill>
+                <a:latin typeface="Constantia"/>
+                <a:ea typeface="Liberation Sans"/>
+                <a:cs typeface="Constantia"/>
+              </a:rPr>
+              <a:t> </a:t>
+            </a:r>
+            <a:r>
+              <a:rPr sz="2400" b="0" i="0" u="none" strike="noStrike" cap="none" spc="0">
+                <a:solidFill>
+                  <a:schemeClr val="tx1"/>
+                </a:solidFill>
+                <a:latin typeface="Constantia"/>
+                <a:ea typeface="Liberation Sans"/>
+                <a:cs typeface="Constantia"/>
+              </a:rPr>
+              <a:t>class is the parent class of all other classes. It is at the top of the class hierarchy in Java. Every class in Java implicitly or explicitly extends the </a:t>
+            </a:r>
+            <a:r>
+              <a:rPr sz="2400" b="0" i="0" u="none" strike="noStrike" cap="none" spc="0">
+                <a:solidFill>
+                  <a:schemeClr val="tx1"/>
+                </a:solidFill>
+                <a:latin typeface="Constantia"/>
+                <a:ea typeface="Liberation Sans"/>
+                <a:cs typeface="Constantia"/>
+              </a:rPr>
+              <a:t>Object</a:t>
+            </a:r>
+            <a:r>
+              <a:rPr sz="2400" b="0" i="0" u="none" strike="noStrike" cap="none" spc="0">
+                <a:solidFill>
+                  <a:schemeClr val="tx1"/>
+                </a:solidFill>
+                <a:latin typeface="Constantia"/>
+                <a:ea typeface="Liberation Sans"/>
+                <a:cs typeface="Constantia"/>
+              </a:rPr>
+              <a:t> class, and therefore, inherits its methods.</a:t>
+            </a:r>
+            <a:endParaRPr sz="2400" b="0" i="0" u="none" strike="noStrike" cap="none" spc="0">
+              <a:solidFill>
+                <a:schemeClr val="tx1"/>
+              </a:solidFill>
+              <a:latin typeface="Constantia"/>
+              <a:cs typeface="Constantia"/>
+            </a:endParaRPr>
+          </a:p>
+          <a:p>
+            <a:pPr>
+              <a:defRPr/>
+            </a:pPr>
+            <a:endParaRPr sz="2400" b="0" i="0" u="none" strike="noStrike" cap="none" spc="0">
+              <a:solidFill>
+                <a:schemeClr val="tx1"/>
+              </a:solidFill>
+              <a:latin typeface="Constantia"/>
+              <a:cs typeface="Constantia"/>
+            </a:endParaRPr>
+          </a:p>
+          <a:p>
+            <a:pPr>
+              <a:defRPr/>
+            </a:pPr>
+            <a:r>
+              <a:rPr sz="2400" b="0" i="0" u="none" strike="noStrike" cap="none" spc="0">
+                <a:solidFill>
+                  <a:schemeClr val="tx1"/>
+                </a:solidFill>
+                <a:latin typeface="Constantia"/>
+                <a:ea typeface="Liberation Sans"/>
+                <a:cs typeface="Constantia"/>
+              </a:rPr>
+              <a:t>The </a:t>
+            </a:r>
+            <a:r>
+              <a:rPr sz="2400" b="0" i="0" u="none" strike="noStrike" cap="none" spc="0">
+                <a:solidFill>
+                  <a:schemeClr val="tx1"/>
+                </a:solidFill>
+                <a:latin typeface="Constantia"/>
+                <a:ea typeface="Liberation Sans"/>
+                <a:cs typeface="Constantia"/>
+              </a:rPr>
+              <a:t>Object</a:t>
+            </a:r>
+            <a:r>
+              <a:rPr sz="2400" b="0" i="0" u="none" strike="noStrike" cap="none" spc="0">
+                <a:solidFill>
+                  <a:schemeClr val="tx1"/>
+                </a:solidFill>
+                <a:latin typeface="Constantia"/>
+                <a:ea typeface="Liberation Sans"/>
+                <a:cs typeface="Constantia"/>
+              </a:rPr>
+              <a:t> class has a few important methods that are inherited by all other classes. Some of these methods include:</a:t>
+            </a:r>
+            <a:endParaRPr sz="2400" b="0" i="0" u="none" strike="noStrike" cap="none" spc="0">
+              <a:solidFill>
+                <a:schemeClr val="tx1"/>
+              </a:solidFill>
+              <a:latin typeface="Constantia"/>
+              <a:cs typeface="Constantia"/>
+            </a:endParaRPr>
+          </a:p>
+          <a:p>
+            <a:pPr>
+              <a:defRPr/>
+            </a:pPr>
+            <a:r>
+              <a:rPr sz="2400" b="1" i="0" u="none" strike="noStrike" cap="none" spc="0">
+                <a:solidFill>
+                  <a:srgbClr val="C00000"/>
+                </a:solidFill>
+                <a:latin typeface="Constantia"/>
+                <a:ea typeface="Liberation Sans"/>
+                <a:cs typeface="Constantia"/>
+              </a:rPr>
+              <a:t>toString()</a:t>
+            </a:r>
+            <a:r>
+              <a:rPr sz="2400" b="1" i="0" u="none" strike="noStrike" cap="none" spc="0">
+                <a:solidFill>
+                  <a:srgbClr val="C00000"/>
+                </a:solidFill>
+                <a:latin typeface="Constantia"/>
+                <a:ea typeface="Liberation Sans"/>
+                <a:cs typeface="Constantia"/>
+              </a:rPr>
+              <a:t>:</a:t>
+            </a:r>
+            <a:r>
+              <a:rPr sz="2400" b="0" i="0" u="none" strike="noStrike" cap="none" spc="0">
+                <a:solidFill>
+                  <a:schemeClr val="tx1"/>
+                </a:solidFill>
+                <a:latin typeface="Constantia"/>
+                <a:ea typeface="Liberation Sans"/>
+                <a:cs typeface="Constantia"/>
+              </a:rPr>
+              <a:t> This method returns a string representation of the object. It is often overridden in child classes to provide a meaningful string representation of the object.</a:t>
+            </a:r>
+            <a:endParaRPr sz="2400" b="0" i="0" u="none" strike="noStrike" cap="none" spc="0">
+              <a:solidFill>
+                <a:schemeClr val="tx1"/>
+              </a:solidFill>
+              <a:latin typeface="Constantia"/>
+              <a:cs typeface="Constantia"/>
+            </a:endParaRPr>
+          </a:p>
+          <a:p>
+            <a:pPr>
+              <a:defRPr/>
+            </a:pPr>
+            <a:r>
+              <a:rPr sz="2400" b="1" i="0" u="none" strike="noStrike" cap="none" spc="0">
+                <a:solidFill>
+                  <a:srgbClr val="C00000"/>
+                </a:solidFill>
+                <a:latin typeface="Constantia"/>
+                <a:ea typeface="Liberation Sans"/>
+                <a:cs typeface="Constantia"/>
+              </a:rPr>
+              <a:t>equals(Object obj)</a:t>
+            </a:r>
+            <a:r>
+              <a:rPr sz="2400" b="1" i="0" u="none" strike="noStrike" cap="none" spc="0">
+                <a:solidFill>
+                  <a:srgbClr val="C00000"/>
+                </a:solidFill>
+                <a:latin typeface="Constantia"/>
+                <a:ea typeface="Liberation Sans"/>
+                <a:cs typeface="Constantia"/>
+              </a:rPr>
+              <a:t>: </a:t>
+            </a:r>
+            <a:r>
+              <a:rPr sz="2400" b="0" i="0" u="none" strike="noStrike" cap="none" spc="0">
+                <a:solidFill>
+                  <a:schemeClr val="tx1"/>
+                </a:solidFill>
+                <a:latin typeface="Constantia"/>
+                <a:ea typeface="Liberation Sans"/>
+                <a:cs typeface="Constantia"/>
+              </a:rPr>
+              <a:t>This method checks if the current object is equal to another object. It returns </a:t>
+            </a:r>
+            <a:r>
+              <a:rPr sz="2400" b="0" i="0" u="none" strike="noStrike" cap="none" spc="0">
+                <a:solidFill>
+                  <a:schemeClr val="tx1"/>
+                </a:solidFill>
+                <a:latin typeface="Constantia"/>
+                <a:ea typeface="Liberation Sans"/>
+                <a:cs typeface="Constantia"/>
+              </a:rPr>
+              <a:t>true</a:t>
+            </a:r>
+            <a:r>
+              <a:rPr sz="2400" b="0" i="0" u="none" strike="noStrike" cap="none" spc="0">
+                <a:solidFill>
+                  <a:schemeClr val="tx1"/>
+                </a:solidFill>
+                <a:latin typeface="Constantia"/>
+                <a:ea typeface="Liberation Sans"/>
+                <a:cs typeface="Constantia"/>
+              </a:rPr>
+              <a:t> if the two objects are equal, and </a:t>
+            </a:r>
+            <a:r>
+              <a:rPr sz="2400" b="0" i="0" u="none" strike="noStrike" cap="none" spc="0">
+                <a:solidFill>
+                  <a:schemeClr val="tx1"/>
+                </a:solidFill>
+                <a:latin typeface="Constantia"/>
+                <a:ea typeface="Liberation Sans"/>
+                <a:cs typeface="Constantia"/>
+              </a:rPr>
+              <a:t>false</a:t>
+            </a:r>
+            <a:r>
+              <a:rPr sz="2400" b="0" i="0" u="none" strike="noStrike" cap="none" spc="0">
+                <a:solidFill>
+                  <a:schemeClr val="tx1"/>
+                </a:solidFill>
+                <a:latin typeface="Constantia"/>
+                <a:ea typeface="Liberation Sans"/>
+                <a:cs typeface="Constantia"/>
+              </a:rPr>
+              <a:t> otherwise.</a:t>
+            </a:r>
+            <a:endParaRPr sz="2400" b="0" i="0" u="none" strike="noStrike" cap="none" spc="0">
+              <a:solidFill>
+                <a:schemeClr val="tx1"/>
+              </a:solidFill>
+              <a:latin typeface="Constantia"/>
+              <a:cs typeface="Constantia"/>
+            </a:endParaRPr>
+          </a:p>
+          <a:p>
+            <a:pPr>
+              <a:defRPr/>
+            </a:pPr>
+            <a:r>
+              <a:rPr sz="2400" b="1" i="0" u="none" strike="noStrike" cap="none" spc="0">
+                <a:solidFill>
+                  <a:srgbClr val="C00000"/>
+                </a:solidFill>
+                <a:latin typeface="Constantia"/>
+                <a:ea typeface="Liberation Sans"/>
+                <a:cs typeface="Constantia"/>
+              </a:rPr>
+              <a:t>hashCode()</a:t>
+            </a:r>
+            <a:r>
+              <a:rPr sz="2400" b="1" i="0" u="none" strike="noStrike" cap="none" spc="0">
+                <a:solidFill>
+                  <a:srgbClr val="C00000"/>
+                </a:solidFill>
+                <a:latin typeface="Constantia"/>
+                <a:ea typeface="Liberation Sans"/>
+                <a:cs typeface="Constantia"/>
+              </a:rPr>
+              <a:t>: </a:t>
+            </a:r>
+            <a:r>
+              <a:rPr sz="2400" b="0" i="0" u="none" strike="noStrike" cap="none" spc="0">
+                <a:solidFill>
+                  <a:schemeClr val="tx1"/>
+                </a:solidFill>
+                <a:latin typeface="Constantia"/>
+                <a:ea typeface="Liberation Sans"/>
+                <a:cs typeface="Constantia"/>
+              </a:rPr>
+              <a:t>This method returns a hash code value for the object. It is used in hash tables, which are data structures that allow for quick lookup of objects.</a:t>
+            </a:r>
+            <a:endParaRPr sz="2400" b="0" i="0" u="none" strike="noStrike" cap="none" spc="0">
+              <a:solidFill>
+                <a:schemeClr val="tx1"/>
+              </a:solidFill>
+              <a:latin typeface="Constantia"/>
+              <a:cs typeface="Constantia"/>
+            </a:endParaRPr>
+          </a:p>
+          <a:p>
+            <a:pPr>
+              <a:defRPr/>
+            </a:pPr>
+            <a:r>
+              <a:rPr lang="en-US" sz="2400" b="1" i="0" u="none" strike="noStrike" cap="none" spc="0">
+                <a:solidFill>
+                  <a:srgbClr val="C00000"/>
+                </a:solidFill>
+                <a:latin typeface="Constantia"/>
+                <a:ea typeface="Liberation Sans"/>
+                <a:cs typeface="Constantia"/>
+              </a:rPr>
+              <a:t>finalize()</a:t>
+            </a:r>
+            <a:r>
+              <a:rPr lang="en-US" sz="2400" b="1" i="0" u="none" strike="noStrike" cap="none" spc="0">
+                <a:solidFill>
+                  <a:srgbClr val="C00000"/>
+                </a:solidFill>
+                <a:latin typeface="Constantia"/>
+                <a:ea typeface="Liberation Sans"/>
+                <a:cs typeface="Constantia"/>
+              </a:rPr>
+              <a:t> :</a:t>
+            </a:r>
+            <a:r>
+              <a:rPr lang="en-US" sz="2400" b="0" i="0" u="none" strike="noStrike" cap="none" spc="0">
+                <a:solidFill>
+                  <a:schemeClr val="tx1"/>
+                </a:solidFill>
+                <a:latin typeface="Constantia"/>
+                <a:ea typeface="Liberation Sans"/>
+                <a:cs typeface="Constantia"/>
+              </a:rPr>
+              <a:t>method can be overridden in a class to perform any necessary cleanup before the object is garbage collected.</a:t>
+            </a:r>
+            <a:endParaRPr sz="2400" b="0" i="0" u="none" strike="noStrike" cap="none" spc="0">
+              <a:solidFill>
+                <a:schemeClr val="tx1"/>
+              </a:solidFill>
+              <a:latin typeface="Constantia"/>
+              <a:cs typeface="Constantia"/>
+            </a:endParaRPr>
           </a:p>
         </p:txBody>
       </p:sp>
